--- a/Presentations for Visual Studio Code MVA/04.Building-a-frontend-for-your-express-web-apps.pptx
+++ b/Presentations for Visual Studio Code MVA/04.Building-a-frontend-for-your-express-web-apps.pptx
@@ -5,10 +5,10 @@
     <p:sldMasterId id="2147483660" r:id="rId4"/>
   </p:sldMasterIdLst>
   <p:notesMasterIdLst>
-    <p:notesMasterId r:id="rId19"/>
+    <p:notesMasterId r:id="rId20"/>
   </p:notesMasterIdLst>
   <p:handoutMasterIdLst>
-    <p:handoutMasterId r:id="rId20"/>
+    <p:handoutMasterId r:id="rId21"/>
   </p:handoutMasterIdLst>
   <p:sldIdLst>
     <p:sldId id="283" r:id="rId5"/>
@@ -23,8 +23,9 @@
     <p:sldId id="287" r:id="rId14"/>
     <p:sldId id="292" r:id="rId15"/>
     <p:sldId id="293" r:id="rId16"/>
-    <p:sldId id="294" r:id="rId17"/>
-    <p:sldId id="290" r:id="rId18"/>
+    <p:sldId id="300" r:id="rId17"/>
+    <p:sldId id="294" r:id="rId18"/>
+    <p:sldId id="290" r:id="rId19"/>
   </p:sldIdLst>
   <p:sldSz cx="12192000" cy="6858000"/>
   <p:notesSz cx="6858000" cy="9144000"/>
@@ -216,7 +217,7 @@
           <a:p>
             <a:fld id="{312E7B4A-039C-48A2-9B2C-AF16AA3873D8}" type="datetimeFigureOut">
               <a:rPr lang="en-US" smtClean="0"/>
-              <a:t>7/27/2015</a:t>
+              <a:t>7/28/2015</a:t>
             </a:fld>
             <a:endParaRPr lang="en-US"/>
           </a:p>
@@ -381,7 +382,7 @@
           <a:p>
             <a:fld id="{DA005A0C-54D9-45AA-87D4-C551D08DFCE1}" type="datetimeFigureOut">
               <a:rPr lang="en-US" smtClean="0"/>
-              <a:t>7/27/2015</a:t>
+              <a:t>7/28/2015</a:t>
             </a:fld>
             <a:endParaRPr lang="en-US"/>
           </a:p>
@@ -4252,6 +4253,133 @@
           <a:p>
             <a:r>
               <a:rPr lang="en-US" dirty="0" smtClean="0"/>
+              <a:t>Bootstrap Resources</a:t>
+            </a:r>
+            <a:endParaRPr lang="en-US" dirty="0"/>
+          </a:p>
+        </p:txBody>
+      </p:sp>
+      <p:sp>
+        <p:nvSpPr>
+          <p:cNvPr id="3" name="Content Placeholder 2"/>
+          <p:cNvSpPr>
+            <a:spLocks noGrp="1"/>
+          </p:cNvSpPr>
+          <p:nvPr>
+            <p:ph sz="quarter" idx="10"/>
+          </p:nvPr>
+        </p:nvSpPr>
+        <p:spPr/>
+        <p:txBody>
+          <a:bodyPr/>
+          <a:lstStyle/>
+          <a:p>
+            <a:r>
+              <a:rPr lang="en-US" dirty="0" smtClean="0"/>
+              <a:t>Microsoft Virtual Academy:</a:t>
+            </a:r>
+          </a:p>
+          <a:p>
+            <a:pPr lvl="1"/>
+            <a:r>
+              <a:rPr lang="en-US" b="1" dirty="0"/>
+              <a:t> </a:t>
+            </a:r>
+            <a:r>
+              <a:rPr lang="en-US" u="sng" dirty="0">
+                <a:hlinkClick r:id="rId2"/>
+              </a:rPr>
+              <a:t>http://</a:t>
+            </a:r>
+            <a:r>
+              <a:rPr lang="en-US" u="sng" dirty="0" smtClean="0">
+                <a:hlinkClick r:id="rId2"/>
+              </a:rPr>
+              <a:t>aka.ms/bldUI-bootstrp</a:t>
+            </a:r>
+            <a:endParaRPr lang="en-US" u="sng" dirty="0" smtClean="0"/>
+          </a:p>
+          <a:p>
+            <a:r>
+              <a:rPr lang="en-US" dirty="0" smtClean="0"/>
+              <a:t>edX</a:t>
+            </a:r>
+          </a:p>
+          <a:p>
+            <a:pPr lvl="1"/>
+            <a:r>
+              <a:rPr lang="en-US">
+                <a:hlinkClick r:id="rId3"/>
+              </a:rPr>
+              <a:t>https</a:t>
+            </a:r>
+            <a:r>
+              <a:rPr lang="en-US">
+                <a:hlinkClick r:id="rId3"/>
+              </a:rPr>
+              <a:t>://</a:t>
+            </a:r>
+            <a:r>
+              <a:rPr lang="en-US" smtClean="0">
+                <a:hlinkClick r:id="rId3"/>
+              </a:rPr>
+              <a:t>www.edx.org/course/introduction-bootstrap-tutorial-microsoft-dev203x-0</a:t>
+            </a:r>
+            <a:endParaRPr lang="en-US" smtClean="0"/>
+          </a:p>
+          <a:p>
+            <a:pPr lvl="1"/>
+            <a:endParaRPr lang="en-US" dirty="0"/>
+          </a:p>
+        </p:txBody>
+      </p:sp>
+    </p:spTree>
+    <p:extLst>
+      <p:ext uri="{BB962C8B-B14F-4D97-AF65-F5344CB8AC3E}">
+        <p14:creationId xmlns:p14="http://schemas.microsoft.com/office/powerpoint/2010/main" val="3752248560"/>
+      </p:ext>
+    </p:extLst>
+  </p:cSld>
+  <p:clrMapOvr>
+    <a:masterClrMapping/>
+  </p:clrMapOvr>
+</p:sld>
+</file>
+
+<file path=ppt/slides/slide14.xml><?xml version="1.0" encoding="utf-8"?>
+<p:sld xmlns:a="http://schemas.openxmlformats.org/drawingml/2006/main" xmlns:r="http://schemas.openxmlformats.org/officeDocument/2006/relationships" xmlns:p="http://schemas.openxmlformats.org/presentationml/2006/main">
+  <p:cSld>
+    <p:spTree>
+      <p:nvGrpSpPr>
+        <p:cNvPr id="1" name=""/>
+        <p:cNvGrpSpPr/>
+        <p:nvPr/>
+      </p:nvGrpSpPr>
+      <p:grpSpPr>
+        <a:xfrm>
+          <a:off x="0" y="0"/>
+          <a:ext cx="0" cy="0"/>
+          <a:chOff x="0" y="0"/>
+          <a:chExt cx="0" cy="0"/>
+        </a:xfrm>
+      </p:grpSpPr>
+      <p:sp>
+        <p:nvSpPr>
+          <p:cNvPr id="2" name="Title 1"/>
+          <p:cNvSpPr>
+            <a:spLocks noGrp="1"/>
+          </p:cNvSpPr>
+          <p:nvPr>
+            <p:ph type="title"/>
+          </p:nvPr>
+        </p:nvSpPr>
+        <p:spPr/>
+        <p:txBody>
+          <a:bodyPr/>
+          <a:lstStyle/>
+          <a:p>
+            <a:r>
+              <a:rPr lang="en-US" dirty="0" smtClean="0"/>
               <a:t>Implementing Bootstrap</a:t>
             </a:r>
             <a:endParaRPr lang="en-US" dirty="0"/>
@@ -4278,7 +4406,7 @@
 </p:sld>
 </file>
 
-<file path=ppt/slides/slide14.xml><?xml version="1.0" encoding="utf-8"?>
+<file path=ppt/slides/slide15.xml><?xml version="1.0" encoding="utf-8"?>
 <p:sld xmlns:a="http://schemas.openxmlformats.org/drawingml/2006/main" xmlns:r="http://schemas.openxmlformats.org/officeDocument/2006/relationships" xmlns:p="http://schemas.openxmlformats.org/presentationml/2006/main">
   <p:cSld>
     <p:spTree>
@@ -4356,13 +4484,8 @@
           <a:p>
             <a:r>
               <a:rPr lang="en-GB" dirty="0" smtClean="0"/>
-              <a:t>Implementing </a:t>
-            </a:r>
-            <a:r>
-              <a:rPr lang="en-GB" dirty="0" smtClean="0"/>
-              <a:t>Bootstrap</a:t>
-            </a:r>
-            <a:endParaRPr lang="en-GB" dirty="0" smtClean="0"/>
+              <a:t>Implementing Bootstrap</a:t>
+            </a:r>
           </a:p>
         </p:txBody>
       </p:sp>
@@ -6194,6 +6317,21 @@
 </file>
 
 <file path=customXml/item1.xml><?xml version="1.0" encoding="utf-8"?>
+<p:properties xmlns:p="http://schemas.microsoft.com/office/2006/metadata/properties" xmlns:xsi="http://www.w3.org/2001/XMLSchema-instance" xmlns:pc="http://schemas.microsoft.com/office/infopath/2007/PartnerControls">
+  <documentManagement/>
+</p:properties>
+</file>
+
+<file path=customXml/item2.xml><?xml version="1.0" encoding="utf-8"?>
+<?mso-contentType ?>
+<FormTemplates xmlns="http://schemas.microsoft.com/sharepoint/v3/contenttype/forms">
+  <Display>DocumentLibraryForm</Display>
+  <Edit>DocumentLibraryForm</Edit>
+  <New>DocumentLibraryForm</New>
+</FormTemplates>
+</file>
+
+<file path=customXml/item3.xml><?xml version="1.0" encoding="utf-8"?>
 <ct:contentTypeSchema xmlns:ct="http://schemas.microsoft.com/office/2006/metadata/contentType" xmlns:ma="http://schemas.microsoft.com/office/2006/metadata/properties/metaAttributes" ct:_="" ma:_="" ma:contentTypeName="Document" ma:contentTypeID="0x010100391E57C78B9F604FB8BAD296D1460E2A" ma:contentTypeVersion="1" ma:contentTypeDescription="Create a new document." ma:contentTypeScope="" ma:versionID="fb382fe2362acd2155f454904f478e4d">
   <xsd:schema xmlns:xsd="http://www.w3.org/2001/XMLSchema" xmlns:xs="http://www.w3.org/2001/XMLSchema" xmlns:p="http://schemas.microsoft.com/office/2006/metadata/properties" xmlns:ns3="636b0322-90fb-440c-9cbc-22749e7231e9" targetNamespace="http://schemas.microsoft.com/office/2006/metadata/properties" ma:root="true" ma:fieldsID="b9887c63ce4710c1aeb75a5f03aecb69" ns3:_="">
     <xsd:import namespace="636b0322-90fb-440c-9cbc-22749e7231e9"/>
@@ -6333,22 +6471,31 @@
 </ct:contentTypeSchema>
 </file>
 
-<file path=customXml/item2.xml><?xml version="1.0" encoding="utf-8"?>
-<?mso-contentType ?>
-<FormTemplates xmlns="http://schemas.microsoft.com/sharepoint/v3/contenttype/forms">
-  <Display>DocumentLibraryForm</Display>
-  <Edit>DocumentLibraryForm</Edit>
-  <New>DocumentLibraryForm</New>
-</FormTemplates>
+<file path=customXml/itemProps1.xml><?xml version="1.0" encoding="utf-8"?>
+<ds:datastoreItem xmlns:ds="http://schemas.openxmlformats.org/officeDocument/2006/customXml" ds:itemID="{7025FDD9-4C58-4084-9F89-0E6ADD6FFF55}">
+  <ds:schemaRefs>
+    <ds:schemaRef ds:uri="http://purl.org/dc/terms/"/>
+    <ds:schemaRef ds:uri="http://schemas.microsoft.com/office/2006/documentManagement/types"/>
+    <ds:schemaRef ds:uri="http://purl.org/dc/dcmitype/"/>
+    <ds:schemaRef ds:uri="http://schemas.microsoft.com/office/infopath/2007/PartnerControls"/>
+    <ds:schemaRef ds:uri="http://purl.org/dc/elements/1.1/"/>
+    <ds:schemaRef ds:uri="http://schemas.microsoft.com/office/2006/metadata/properties"/>
+    <ds:schemaRef ds:uri="636b0322-90fb-440c-9cbc-22749e7231e9"/>
+    <ds:schemaRef ds:uri="http://schemas.openxmlformats.org/package/2006/metadata/core-properties"/>
+    <ds:schemaRef ds:uri="http://www.w3.org/XML/1998/namespace"/>
+  </ds:schemaRefs>
+</ds:datastoreItem>
 </file>
 
-<file path=customXml/item3.xml><?xml version="1.0" encoding="utf-8"?>
-<p:properties xmlns:p="http://schemas.microsoft.com/office/2006/metadata/properties" xmlns:xsi="http://www.w3.org/2001/XMLSchema-instance" xmlns:pc="http://schemas.microsoft.com/office/infopath/2007/PartnerControls">
-  <documentManagement/>
-</p:properties>
+<file path=customXml/itemProps2.xml><?xml version="1.0" encoding="utf-8"?>
+<ds:datastoreItem xmlns:ds="http://schemas.openxmlformats.org/officeDocument/2006/customXml" ds:itemID="{B0CA13EC-1D3C-4D6F-8D1C-E8A452CFC79A}">
+  <ds:schemaRefs>
+    <ds:schemaRef ds:uri="http://schemas.microsoft.com/sharepoint/v3/contenttype/forms"/>
+  </ds:schemaRefs>
+</ds:datastoreItem>
 </file>
 
-<file path=customXml/itemProps1.xml><?xml version="1.0" encoding="utf-8"?>
+<file path=customXml/itemProps3.xml><?xml version="1.0" encoding="utf-8"?>
 <ds:datastoreItem xmlns:ds="http://schemas.openxmlformats.org/officeDocument/2006/customXml" ds:itemID="{7B70CE0C-0988-423A-BF66-B40F6A1061FF}">
   <ds:schemaRefs>
     <ds:schemaRef ds:uri="http://schemas.microsoft.com/office/2006/metadata/contentType"/>
@@ -6364,28 +6511,4 @@
     <ds:schemaRef ds:uri="http://schemas.microsoft.com/internal/obd"/>
   </ds:schemaRefs>
 </ds:datastoreItem>
-</file>
-
-<file path=customXml/itemProps2.xml><?xml version="1.0" encoding="utf-8"?>
-<ds:datastoreItem xmlns:ds="http://schemas.openxmlformats.org/officeDocument/2006/customXml" ds:itemID="{B0CA13EC-1D3C-4D6F-8D1C-E8A452CFC79A}">
-  <ds:schemaRefs>
-    <ds:schemaRef ds:uri="http://schemas.microsoft.com/sharepoint/v3/contenttype/forms"/>
-  </ds:schemaRefs>
-</ds:datastoreItem>
-</file>
-
-<file path=customXml/itemProps3.xml><?xml version="1.0" encoding="utf-8"?>
-<ds:datastoreItem xmlns:ds="http://schemas.openxmlformats.org/officeDocument/2006/customXml" ds:itemID="{7025FDD9-4C58-4084-9F89-0E6ADD6FFF55}">
-  <ds:schemaRefs>
-    <ds:schemaRef ds:uri="http://purl.org/dc/terms/"/>
-    <ds:schemaRef ds:uri="http://schemas.microsoft.com/office/2006/documentManagement/types"/>
-    <ds:schemaRef ds:uri="http://purl.org/dc/dcmitype/"/>
-    <ds:schemaRef ds:uri="http://schemas.microsoft.com/office/infopath/2007/PartnerControls"/>
-    <ds:schemaRef ds:uri="http://purl.org/dc/elements/1.1/"/>
-    <ds:schemaRef ds:uri="http://schemas.microsoft.com/office/2006/metadata/properties"/>
-    <ds:schemaRef ds:uri="636b0322-90fb-440c-9cbc-22749e7231e9"/>
-    <ds:schemaRef ds:uri="http://schemas.openxmlformats.org/package/2006/metadata/core-properties"/>
-    <ds:schemaRef ds:uri="http://www.w3.org/XML/1998/namespace"/>
-  </ds:schemaRefs>
-</ds:datastoreItem>
 </file>
--- a/Presentations for Visual Studio Code MVA/04.Building-a-frontend-for-your-express-web-apps.pptx
+++ b/Presentations for Visual Studio Code MVA/04.Building-a-frontend-for-your-express-web-apps.pptx
@@ -4020,7 +4020,15 @@
           <a:p>
             <a:r>
               <a:rPr lang="en-US" dirty="0" smtClean="0"/>
-              <a:t>Framework for developing responsive sites including presentation and behavior ( HTML/CSS/JS) </a:t>
+              <a:t>Framework for developing responsive sites including presentation and behavior </a:t>
+            </a:r>
+            <a:r>
+              <a:rPr lang="en-US" dirty="0" smtClean="0"/>
+              <a:t>(HTML/CSS/JS</a:t>
+            </a:r>
+            <a:r>
+              <a:rPr lang="en-US" dirty="0" smtClean="0"/>
+              <a:t>) </a:t>
             </a:r>
           </a:p>
           <a:p>
@@ -4029,8 +4037,8 @@
               <a:t>Number 1 project on </a:t>
             </a:r>
             <a:r>
-              <a:rPr lang="en-US" dirty="0" err="1" smtClean="0"/>
-              <a:t>Github</a:t>
+              <a:rPr lang="en-US" dirty="0" smtClean="0"/>
+              <a:t>GitHub</a:t>
             </a:r>
             <a:endParaRPr lang="en-US" dirty="0" smtClean="0"/>
           </a:p>
@@ -4159,12 +4167,8 @@
               <a:t>Download </a:t>
             </a:r>
             <a:r>
-              <a:rPr lang="en-US" dirty="0" err="1" smtClean="0"/>
-              <a:t>BootStrap</a:t>
-            </a:r>
-            <a:r>
-              <a:rPr lang="en-US" dirty="0"/>
-              <a:t> </a:t>
+              <a:rPr lang="en-US" dirty="0" smtClean="0"/>
+              <a:t>Bootstrap </a:t>
             </a:r>
             <a:r>
               <a:rPr lang="en-US" dirty="0">
@@ -4311,13 +4315,7 @@
               <a:rPr lang="en-US">
                 <a:hlinkClick r:id="rId3"/>
               </a:rPr>
-              <a:t>https</a:t>
-            </a:r>
-            <a:r>
-              <a:rPr lang="en-US">
-                <a:hlinkClick r:id="rId3"/>
-              </a:rPr>
-              <a:t>://</a:t>
+              <a:t>https://</a:t>
             </a:r>
             <a:r>
               <a:rPr lang="en-US" smtClean="0">
@@ -5286,7 +5284,15 @@
             </a:pPr>
             <a:r>
               <a:rPr lang="en-US" dirty="0"/>
-              <a:t>The extends keyword allows a template to extend a layout or parent template. It can then override certain pre-defined blocks of content</a:t>
+              <a:t>The </a:t>
+            </a:r>
+            <a:r>
+              <a:rPr lang="en-US" b="1" dirty="0"/>
+              <a:t>extends</a:t>
+            </a:r>
+            <a:r>
+              <a:rPr lang="en-US" dirty="0"/>
+              <a:t> keyword allows a template to extend a layout or parent template. It can then override certain pre-defined blocks of content</a:t>
             </a:r>
             <a:r>
               <a:rPr lang="en-US" dirty="0" smtClean="0"/>
@@ -5300,19 +5306,15 @@
             </a:pPr>
             <a:r>
               <a:rPr lang="en-US" dirty="0" smtClean="0"/>
-              <a:t>The block keyword allows you to establish </a:t>
-            </a:r>
-            <a:r>
-              <a:rPr lang="en-US" smtClean="0"/>
-              <a:t>a block or </a:t>
-            </a:r>
-            <a:r>
-              <a:rPr lang="en-US" dirty="0" smtClean="0"/>
-              <a:t>replace the content of </a:t>
-            </a:r>
-            <a:r>
-              <a:rPr lang="en-US" smtClean="0"/>
-              <a:t>pre-defined blocks.</a:t>
+              <a:t>The </a:t>
+            </a:r>
+            <a:r>
+              <a:rPr lang="en-US" b="1" dirty="0" smtClean="0"/>
+              <a:t>block</a:t>
+            </a:r>
+            <a:r>
+              <a:rPr lang="en-US" dirty="0" smtClean="0"/>
+              <a:t> keyword allows you to establish a block or replace the content of pre-defined blocks.</a:t>
             </a:r>
             <a:endParaRPr lang="en-US" dirty="0"/>
           </a:p>
@@ -6317,18 +6319,18 @@
 </file>
 
 <file path=customXml/item1.xml><?xml version="1.0" encoding="utf-8"?>
-<p:properties xmlns:p="http://schemas.microsoft.com/office/2006/metadata/properties" xmlns:xsi="http://www.w3.org/2001/XMLSchema-instance" xmlns:pc="http://schemas.microsoft.com/office/infopath/2007/PartnerControls">
-  <documentManagement/>
-</p:properties>
-</file>
-
-<file path=customXml/item2.xml><?xml version="1.0" encoding="utf-8"?>
 <?mso-contentType ?>
 <FormTemplates xmlns="http://schemas.microsoft.com/sharepoint/v3/contenttype/forms">
   <Display>DocumentLibraryForm</Display>
   <Edit>DocumentLibraryForm</Edit>
   <New>DocumentLibraryForm</New>
 </FormTemplates>
+</file>
+
+<file path=customXml/item2.xml><?xml version="1.0" encoding="utf-8"?>
+<p:properties xmlns:p="http://schemas.microsoft.com/office/2006/metadata/properties" xmlns:xsi="http://www.w3.org/2001/XMLSchema-instance" xmlns:pc="http://schemas.microsoft.com/office/infopath/2007/PartnerControls">
+  <documentManagement/>
+</p:properties>
 </file>
 
 <file path=customXml/item3.xml><?xml version="1.0" encoding="utf-8"?>
@@ -6472,6 +6474,14 @@
 </file>
 
 <file path=customXml/itemProps1.xml><?xml version="1.0" encoding="utf-8"?>
+<ds:datastoreItem xmlns:ds="http://schemas.openxmlformats.org/officeDocument/2006/customXml" ds:itemID="{B0CA13EC-1D3C-4D6F-8D1C-E8A452CFC79A}">
+  <ds:schemaRefs>
+    <ds:schemaRef ds:uri="http://schemas.microsoft.com/sharepoint/v3/contenttype/forms"/>
+  </ds:schemaRefs>
+</ds:datastoreItem>
+</file>
+
+<file path=customXml/itemProps2.xml><?xml version="1.0" encoding="utf-8"?>
 <ds:datastoreItem xmlns:ds="http://schemas.openxmlformats.org/officeDocument/2006/customXml" ds:itemID="{7025FDD9-4C58-4084-9F89-0E6ADD6FFF55}">
   <ds:schemaRefs>
     <ds:schemaRef ds:uri="http://purl.org/dc/terms/"/>
@@ -6483,14 +6493,6 @@
     <ds:schemaRef ds:uri="636b0322-90fb-440c-9cbc-22749e7231e9"/>
     <ds:schemaRef ds:uri="http://schemas.openxmlformats.org/package/2006/metadata/core-properties"/>
     <ds:schemaRef ds:uri="http://www.w3.org/XML/1998/namespace"/>
-  </ds:schemaRefs>
-</ds:datastoreItem>
-</file>
-
-<file path=customXml/itemProps2.xml><?xml version="1.0" encoding="utf-8"?>
-<ds:datastoreItem xmlns:ds="http://schemas.openxmlformats.org/officeDocument/2006/customXml" ds:itemID="{B0CA13EC-1D3C-4D6F-8D1C-E8A452CFC79A}">
-  <ds:schemaRefs>
-    <ds:schemaRef ds:uri="http://schemas.microsoft.com/sharepoint/v3/contenttype/forms"/>
   </ds:schemaRefs>
 </ds:datastoreItem>
 </file>
